--- a/Binarne_drzewo_poszukiwań_M_Szafranska_18345_full.pptx
+++ b/Binarne_drzewo_poszukiwań_M_Szafranska_18345_full.pptx
@@ -28,6 +28,7 @@
     <p:sldId id="276" r:id="rId35"/>
     <p:sldId id="277" r:id="rId36"/>
     <p:sldId id="278" r:id="rId37"/>
+    <p:sldId id="279" r:id="rId38"/>
   </p:sldIdLst>
   <p:sldSz cx="18288000" cy="10287000"/>
   <p:notesSz cx="6858000" cy="9144000"/>
@@ -3347,7 +3348,7 @@
                 </a:solidFill>
                 <a:latin typeface="IBM Plex Sans"/>
               </a:rPr>
-              <a:t>Algorytmy, AHNS in Radom</a:t>
+              <a:t>Algorytmy, AHNS w Radomiu</a:t>
             </a:r>
           </a:p>
           <a:p>
@@ -3460,6 +3461,571 @@
 </file>
 
 <file path=ppt/slides/slide10.xml><?xml version="1.0" encoding="utf-8"?>
+<p:sld xmlns:p="http://schemas.openxmlformats.org/presentationml/2006/main" xmlns:a="http://schemas.openxmlformats.org/drawingml/2006/main" xmlns:r="http://schemas.openxmlformats.org/officeDocument/2006/relationships">
+  <p:cSld>
+    <p:bg>
+      <p:bgPr>
+        <a:solidFill>
+          <a:srgbClr val="F6F6F6"/>
+        </a:solidFill>
+      </p:bgPr>
+    </p:bg>
+    <p:spTree>
+      <p:nvGrpSpPr>
+        <p:cNvPr id="1" name=""/>
+        <p:cNvGrpSpPr/>
+        <p:nvPr/>
+      </p:nvGrpSpPr>
+      <p:grpSpPr>
+        <a:xfrm>
+          <a:off x="0" y="0"/>
+          <a:ext cx="0" cy="0"/>
+          <a:chOff x="0" y="0"/>
+          <a:chExt cx="0" cy="0"/>
+        </a:xfrm>
+      </p:grpSpPr>
+      <p:grpSp>
+        <p:nvGrpSpPr>
+          <p:cNvPr name="Group 2" id="2"/>
+          <p:cNvGrpSpPr/>
+          <p:nvPr/>
+        </p:nvGrpSpPr>
+        <p:grpSpPr>
+          <a:xfrm rot="0">
+            <a:off x="8983094" y="-328285"/>
+            <a:ext cx="1536594" cy="1284100"/>
+            <a:chOff x="0" y="0"/>
+            <a:chExt cx="1988401" cy="1661666"/>
+          </a:xfrm>
+        </p:grpSpPr>
+        <p:sp>
+          <p:nvSpPr>
+            <p:cNvPr name="Freeform 3" id="3"/>
+            <p:cNvSpPr/>
+            <p:nvPr/>
+          </p:nvSpPr>
+          <p:spPr>
+            <a:xfrm>
+              <a:off x="0" y="0"/>
+              <a:ext cx="1988401" cy="1661666"/>
+            </a:xfrm>
+            <a:custGeom>
+              <a:avLst/>
+              <a:gdLst/>
+              <a:ahLst/>
+              <a:cxnLst/>
+              <a:rect r="r" b="b" t="t" l="l"/>
+              <a:pathLst>
+                <a:path h="1661666" w="1988401">
+                  <a:moveTo>
+                    <a:pt x="0" y="0"/>
+                  </a:moveTo>
+                  <a:lnTo>
+                    <a:pt x="1988401" y="0"/>
+                  </a:lnTo>
+                  <a:lnTo>
+                    <a:pt x="1988401" y="1661666"/>
+                  </a:lnTo>
+                  <a:lnTo>
+                    <a:pt x="0" y="1661666"/>
+                  </a:lnTo>
+                  <a:close/>
+                </a:path>
+              </a:pathLst>
+            </a:custGeom>
+            <a:solidFill>
+              <a:srgbClr val="FC4507"/>
+            </a:solidFill>
+          </p:spPr>
+        </p:sp>
+      </p:grpSp>
+      <p:pic>
+        <p:nvPicPr>
+          <p:cNvPr name="Picture 4" id="4"/>
+          <p:cNvPicPr>
+            <a:picLocks noChangeAspect="true"/>
+          </p:cNvPicPr>
+          <p:nvPr/>
+        </p:nvPicPr>
+        <p:blipFill>
+          <a:blip r:embed="rId2"/>
+          <a:srcRect l="0" t="0" r="0" b="0"/>
+          <a:stretch>
+            <a:fillRect/>
+          </a:stretch>
+        </p:blipFill>
+        <p:spPr>
+          <a:xfrm flipH="false" flipV="false" rot="0">
+            <a:off x="2213868" y="2700601"/>
+            <a:ext cx="7519097" cy="6270927"/>
+          </a:xfrm>
+          <a:prstGeom prst="rect">
+            <a:avLst/>
+          </a:prstGeom>
+        </p:spPr>
+      </p:pic>
+      <p:sp>
+        <p:nvSpPr>
+          <p:cNvPr name="TextBox 5" id="5"/>
+          <p:cNvSpPr txBox="true"/>
+          <p:nvPr/>
+        </p:nvSpPr>
+        <p:spPr>
+          <a:xfrm rot="0">
+            <a:off x="11053564" y="233541"/>
+            <a:ext cx="1232397" cy="541448"/>
+          </a:xfrm>
+          <a:prstGeom prst="rect">
+            <a:avLst/>
+          </a:prstGeom>
+        </p:spPr>
+        <p:txBody>
+          <a:bodyPr anchor="t" rtlCol="false" tIns="0" lIns="0" bIns="0" rIns="0">
+            <a:spAutoFit/>
+          </a:bodyPr>
+          <a:lstStyle/>
+          <a:p>
+            <a:pPr algn="ctr">
+              <a:lnSpc>
+                <a:spcPts val="2181"/>
+              </a:lnSpc>
+            </a:pPr>
+            <a:r>
+              <a:rPr lang="en-US" sz="1558">
+                <a:solidFill>
+                  <a:srgbClr val="393636"/>
+                </a:solidFill>
+                <a:latin typeface="IBM Plex Sans Bold"/>
+              </a:rPr>
+              <a:t>Program</a:t>
+            </a:r>
+          </a:p>
+          <a:p>
+            <a:pPr algn="ctr">
+              <a:lnSpc>
+                <a:spcPts val="2181"/>
+              </a:lnSpc>
+            </a:pPr>
+            <a:r>
+              <a:rPr lang="en-US" sz="1558">
+                <a:solidFill>
+                  <a:srgbClr val="393636"/>
+                </a:solidFill>
+                <a:latin typeface="IBM Plex Sans Bold"/>
+              </a:rPr>
+              <a:t>w C++</a:t>
+            </a:r>
+          </a:p>
+        </p:txBody>
+      </p:sp>
+      <p:sp>
+        <p:nvSpPr>
+          <p:cNvPr name="TextBox 6" id="6"/>
+          <p:cNvSpPr txBox="true"/>
+          <p:nvPr/>
+        </p:nvSpPr>
+        <p:spPr>
+          <a:xfrm rot="0">
+            <a:off x="12851482" y="233541"/>
+            <a:ext cx="1466546" cy="265223"/>
+          </a:xfrm>
+          <a:prstGeom prst="rect">
+            <a:avLst/>
+          </a:prstGeom>
+        </p:spPr>
+        <p:txBody>
+          <a:bodyPr anchor="t" rtlCol="false" tIns="0" lIns="0" bIns="0" rIns="0">
+            <a:spAutoFit/>
+          </a:bodyPr>
+          <a:lstStyle/>
+          <a:p>
+            <a:pPr algn="ctr">
+              <a:lnSpc>
+                <a:spcPts val="2181"/>
+              </a:lnSpc>
+            </a:pPr>
+            <a:r>
+              <a:rPr lang="en-US" sz="1558">
+                <a:solidFill>
+                  <a:srgbClr val="393636"/>
+                </a:solidFill>
+                <a:latin typeface="IBM Plex Sans Bold"/>
+              </a:rPr>
+              <a:t>Implementacja </a:t>
+            </a:r>
+          </a:p>
+        </p:txBody>
+      </p:sp>
+      <p:sp>
+        <p:nvSpPr>
+          <p:cNvPr name="TextBox 7" id="7"/>
+          <p:cNvSpPr txBox="true"/>
+          <p:nvPr/>
+        </p:nvSpPr>
+        <p:spPr>
+          <a:xfrm rot="0">
+            <a:off x="16336973" y="233541"/>
+            <a:ext cx="1434399" cy="265223"/>
+          </a:xfrm>
+          <a:prstGeom prst="rect">
+            <a:avLst/>
+          </a:prstGeom>
+        </p:spPr>
+        <p:txBody>
+          <a:bodyPr anchor="t" rtlCol="false" tIns="0" lIns="0" bIns="0" rIns="0">
+            <a:spAutoFit/>
+          </a:bodyPr>
+          <a:lstStyle/>
+          <a:p>
+            <a:pPr algn="ctr">
+              <a:lnSpc>
+                <a:spcPts val="2181"/>
+              </a:lnSpc>
+            </a:pPr>
+            <a:r>
+              <a:rPr lang="en-US" sz="1558">
+                <a:solidFill>
+                  <a:srgbClr val="393636"/>
+                </a:solidFill>
+                <a:latin typeface="IBM Plex Sans Bold"/>
+              </a:rPr>
+              <a:t>Wykorzystanie</a:t>
+            </a:r>
+          </a:p>
+        </p:txBody>
+      </p:sp>
+      <p:sp>
+        <p:nvSpPr>
+          <p:cNvPr name="TextBox 8" id="8"/>
+          <p:cNvSpPr txBox="true"/>
+          <p:nvPr/>
+        </p:nvSpPr>
+        <p:spPr>
+          <a:xfrm rot="0">
+            <a:off x="6961926" y="233541"/>
+            <a:ext cx="1450440" cy="541401"/>
+          </a:xfrm>
+          <a:prstGeom prst="rect">
+            <a:avLst/>
+          </a:prstGeom>
+        </p:spPr>
+        <p:txBody>
+          <a:bodyPr anchor="t" rtlCol="false" tIns="0" lIns="0" bIns="0" rIns="0">
+            <a:spAutoFit/>
+          </a:bodyPr>
+          <a:lstStyle/>
+          <a:p>
+            <a:pPr algn="ctr">
+              <a:lnSpc>
+                <a:spcPts val="2184"/>
+              </a:lnSpc>
+            </a:pPr>
+            <a:r>
+              <a:rPr lang="en-US" sz="1560">
+                <a:solidFill>
+                  <a:srgbClr val="393636"/>
+                </a:solidFill>
+                <a:latin typeface="IBM Plex Sans Bold"/>
+              </a:rPr>
+              <a:t>Czym jest</a:t>
+            </a:r>
+          </a:p>
+          <a:p>
+            <a:pPr algn="ctr">
+              <a:lnSpc>
+                <a:spcPts val="2184"/>
+              </a:lnSpc>
+            </a:pPr>
+            <a:r>
+              <a:rPr lang="en-US" sz="1560">
+                <a:solidFill>
+                  <a:srgbClr val="393636"/>
+                </a:solidFill>
+                <a:latin typeface="IBM Plex Sans Bold"/>
+              </a:rPr>
+              <a:t>BST</a:t>
+            </a:r>
+          </a:p>
+        </p:txBody>
+      </p:sp>
+      <p:sp>
+        <p:nvSpPr>
+          <p:cNvPr name="TextBox 9" id="9"/>
+          <p:cNvSpPr txBox="true"/>
+          <p:nvPr/>
+        </p:nvSpPr>
+        <p:spPr>
+          <a:xfrm rot="0">
+            <a:off x="8977886" y="233541"/>
+            <a:ext cx="1510158" cy="541401"/>
+          </a:xfrm>
+          <a:prstGeom prst="rect">
+            <a:avLst/>
+          </a:prstGeom>
+        </p:spPr>
+        <p:txBody>
+          <a:bodyPr anchor="t" rtlCol="false" tIns="0" lIns="0" bIns="0" rIns="0">
+            <a:spAutoFit/>
+          </a:bodyPr>
+          <a:lstStyle/>
+          <a:p>
+            <a:pPr algn="ctr">
+              <a:lnSpc>
+                <a:spcPts val="2184"/>
+              </a:lnSpc>
+            </a:pPr>
+            <a:r>
+              <a:rPr lang="en-US" sz="1560">
+                <a:solidFill>
+                  <a:srgbClr val="FFFFFF"/>
+                </a:solidFill>
+                <a:latin typeface="IBM Plex Sans Bold"/>
+              </a:rPr>
+              <a:t>Zasada działania</a:t>
+            </a:r>
+          </a:p>
+        </p:txBody>
+      </p:sp>
+      <p:sp>
+        <p:nvSpPr>
+          <p:cNvPr name="TextBox 10" id="10"/>
+          <p:cNvSpPr txBox="true"/>
+          <p:nvPr/>
+        </p:nvSpPr>
+        <p:spPr>
+          <a:xfrm rot="0">
+            <a:off x="14594227" y="233541"/>
+            <a:ext cx="1354032" cy="541401"/>
+          </a:xfrm>
+          <a:prstGeom prst="rect">
+            <a:avLst/>
+          </a:prstGeom>
+        </p:spPr>
+        <p:txBody>
+          <a:bodyPr anchor="t" rtlCol="false" tIns="0" lIns="0" bIns="0" rIns="0">
+            <a:spAutoFit/>
+          </a:bodyPr>
+          <a:lstStyle/>
+          <a:p>
+            <a:pPr algn="ctr">
+              <a:lnSpc>
+                <a:spcPts val="2184"/>
+              </a:lnSpc>
+            </a:pPr>
+            <a:r>
+              <a:rPr lang="en-US" sz="1560">
+                <a:solidFill>
+                  <a:srgbClr val="393636"/>
+                </a:solidFill>
+                <a:latin typeface="IBM Plex Sans Bold"/>
+              </a:rPr>
+              <a:t>Złożoność obliczeniowa</a:t>
+            </a:r>
+          </a:p>
+        </p:txBody>
+      </p:sp>
+      <p:grpSp>
+        <p:nvGrpSpPr>
+          <p:cNvPr name="Group 11" id="11"/>
+          <p:cNvGrpSpPr/>
+          <p:nvPr/>
+        </p:nvGrpSpPr>
+        <p:grpSpPr>
+          <a:xfrm rot="0">
+            <a:off x="1028700" y="882992"/>
+            <a:ext cx="1285575" cy="1094545"/>
+            <a:chOff x="0" y="0"/>
+            <a:chExt cx="1714101" cy="1459393"/>
+          </a:xfrm>
+        </p:grpSpPr>
+        <p:sp>
+          <p:nvSpPr>
+            <p:cNvPr name="TextBox 12" id="12"/>
+            <p:cNvSpPr txBox="true"/>
+            <p:nvPr/>
+          </p:nvSpPr>
+          <p:spPr>
+            <a:xfrm rot="0">
+              <a:off x="0" y="0"/>
+              <a:ext cx="718260" cy="1459393"/>
+            </a:xfrm>
+            <a:prstGeom prst="rect">
+              <a:avLst/>
+            </a:prstGeom>
+          </p:spPr>
+          <p:txBody>
+            <a:bodyPr anchor="t" rtlCol="false" tIns="0" lIns="0" bIns="0" rIns="0">
+              <a:spAutoFit/>
+            </a:bodyPr>
+            <a:lstStyle/>
+            <a:p>
+              <a:pPr>
+                <a:lnSpc>
+                  <a:spcPts val="2856"/>
+                </a:lnSpc>
+              </a:pPr>
+              <a:r>
+                <a:rPr lang="en-US" sz="2441">
+                  <a:solidFill>
+                    <a:srgbClr val="FC4507"/>
+                  </a:solidFill>
+                  <a:latin typeface="Mokoto Bold"/>
+                </a:rPr>
+                <a:t>B</a:t>
+              </a:r>
+            </a:p>
+            <a:p>
+              <a:pPr>
+                <a:lnSpc>
+                  <a:spcPts val="2856"/>
+                </a:lnSpc>
+              </a:pPr>
+              <a:r>
+                <a:rPr lang="en-US" sz="2441">
+                  <a:solidFill>
+                    <a:srgbClr val="FC4507"/>
+                  </a:solidFill>
+                  <a:latin typeface="Mokoto Bold"/>
+                </a:rPr>
+                <a:t>S</a:t>
+              </a:r>
+            </a:p>
+            <a:p>
+              <a:pPr>
+                <a:lnSpc>
+                  <a:spcPts val="2856"/>
+                </a:lnSpc>
+              </a:pPr>
+              <a:r>
+                <a:rPr lang="en-US" sz="2441">
+                  <a:solidFill>
+                    <a:srgbClr val="FC4507"/>
+                  </a:solidFill>
+                  <a:latin typeface="Mokoto Bold"/>
+                </a:rPr>
+                <a:t>T</a:t>
+              </a:r>
+            </a:p>
+          </p:txBody>
+        </p:sp>
+        <p:sp>
+          <p:nvSpPr>
+            <p:cNvPr name="TextBox 13" id="13"/>
+            <p:cNvSpPr txBox="true"/>
+            <p:nvPr/>
+          </p:nvSpPr>
+          <p:spPr>
+            <a:xfrm rot="0">
+              <a:off x="359130" y="-47625"/>
+              <a:ext cx="1354971" cy="1423460"/>
+            </a:xfrm>
+            <a:prstGeom prst="rect">
+              <a:avLst/>
+            </a:prstGeom>
+          </p:spPr>
+          <p:txBody>
+            <a:bodyPr anchor="t" rtlCol="false" tIns="0" lIns="0" bIns="0" rIns="0">
+              <a:spAutoFit/>
+            </a:bodyPr>
+            <a:lstStyle/>
+            <a:p>
+              <a:pPr>
+                <a:lnSpc>
+                  <a:spcPts val="2941"/>
+                </a:lnSpc>
+              </a:pPr>
+              <a:r>
+                <a:rPr lang="en-US" sz="2100">
+                  <a:solidFill>
+                    <a:srgbClr val="393636"/>
+                  </a:solidFill>
+                  <a:latin typeface="IBM Plex Sans Bold"/>
+                </a:rPr>
+                <a:t>inary</a:t>
+              </a:r>
+            </a:p>
+            <a:p>
+              <a:pPr>
+                <a:lnSpc>
+                  <a:spcPts val="2941"/>
+                </a:lnSpc>
+              </a:pPr>
+              <a:r>
+                <a:rPr lang="en-US" sz="2100">
+                  <a:solidFill>
+                    <a:srgbClr val="393636"/>
+                  </a:solidFill>
+                  <a:latin typeface="IBM Plex Sans Bold"/>
+                </a:rPr>
+                <a:t>earch</a:t>
+              </a:r>
+            </a:p>
+            <a:p>
+              <a:pPr>
+                <a:lnSpc>
+                  <a:spcPts val="2941"/>
+                </a:lnSpc>
+              </a:pPr>
+              <a:r>
+                <a:rPr lang="en-US" sz="2100">
+                  <a:solidFill>
+                    <a:srgbClr val="393636"/>
+                  </a:solidFill>
+                  <a:latin typeface="IBM Plex Sans Bold"/>
+                </a:rPr>
+                <a:t>ree</a:t>
+              </a:r>
+            </a:p>
+          </p:txBody>
+        </p:sp>
+      </p:grpSp>
+      <p:sp>
+        <p:nvSpPr>
+          <p:cNvPr name="TextBox 14" id="14"/>
+          <p:cNvSpPr txBox="true"/>
+          <p:nvPr/>
+        </p:nvSpPr>
+        <p:spPr>
+          <a:xfrm rot="0">
+            <a:off x="10956359" y="2624401"/>
+            <a:ext cx="6302941" cy="622935"/>
+          </a:xfrm>
+          <a:prstGeom prst="rect">
+            <a:avLst/>
+          </a:prstGeom>
+        </p:spPr>
+        <p:txBody>
+          <a:bodyPr anchor="t" rtlCol="false" tIns="0" lIns="0" bIns="0" rIns="0">
+            <a:spAutoFit/>
+          </a:bodyPr>
+          <a:lstStyle/>
+          <a:p>
+            <a:pPr>
+              <a:lnSpc>
+                <a:spcPts val="5040"/>
+              </a:lnSpc>
+            </a:pPr>
+            <a:r>
+              <a:rPr lang="en-US" sz="3600">
+                <a:solidFill>
+                  <a:srgbClr val="393636"/>
+                </a:solidFill>
+                <a:latin typeface="IBM Plex Sans Bold"/>
+              </a:rPr>
+              <a:t>Reguła drzewa binarnego</a:t>
+            </a:r>
+          </a:p>
+        </p:txBody>
+      </p:sp>
+    </p:spTree>
+  </p:cSld>
+  <p:clrMapOvr>
+    <a:masterClrMapping/>
+  </p:clrMapOvr>
+</p:sld>
+</file>
+
+<file path=ppt/slides/slide11.xml><?xml version="1.0" encoding="utf-8"?>
 <p:sld xmlns:p="http://schemas.openxmlformats.org/presentationml/2006/main" xmlns:a="http://schemas.openxmlformats.org/drawingml/2006/main" xmlns:r="http://schemas.openxmlformats.org/officeDocument/2006/relationships">
   <p:cSld>
     <p:bg>
@@ -4162,7 +4728,7 @@
 </p:sld>
 </file>
 
-<file path=ppt/slides/slide11.xml><?xml version="1.0" encoding="utf-8"?>
+<file path=ppt/slides/slide12.xml><?xml version="1.0" encoding="utf-8"?>
 <p:sld xmlns:p="http://schemas.openxmlformats.org/presentationml/2006/main" xmlns:a="http://schemas.openxmlformats.org/drawingml/2006/main" xmlns:r="http://schemas.openxmlformats.org/officeDocument/2006/relationships">
   <p:cSld>
     <p:bg>
@@ -4846,7 +5412,7 @@
 </p:sld>
 </file>
 
-<file path=ppt/slides/slide12.xml><?xml version="1.0" encoding="utf-8"?>
+<file path=ppt/slides/slide13.xml><?xml version="1.0" encoding="utf-8"?>
 <p:sld xmlns:p="http://schemas.openxmlformats.org/presentationml/2006/main" xmlns:a="http://schemas.openxmlformats.org/drawingml/2006/main" xmlns:r="http://schemas.openxmlformats.org/officeDocument/2006/relationships">
   <p:cSld>
     <p:bg>
@@ -5548,7 +6114,7 @@
 </p:sld>
 </file>
 
-<file path=ppt/slides/slide13.xml><?xml version="1.0" encoding="utf-8"?>
+<file path=ppt/slides/slide14.xml><?xml version="1.0" encoding="utf-8"?>
 <p:sld xmlns:p="http://schemas.openxmlformats.org/presentationml/2006/main" xmlns:a="http://schemas.openxmlformats.org/drawingml/2006/main" xmlns:r="http://schemas.openxmlformats.org/officeDocument/2006/relationships">
   <p:cSld>
     <p:bg>
@@ -6198,7 +6764,7 @@
 </p:sld>
 </file>
 
-<file path=ppt/slides/slide14.xml><?xml version="1.0" encoding="utf-8"?>
+<file path=ppt/slides/slide15.xml><?xml version="1.0" encoding="utf-8"?>
 <p:sld xmlns:p="http://schemas.openxmlformats.org/presentationml/2006/main" xmlns:a="http://schemas.openxmlformats.org/drawingml/2006/main" xmlns:r="http://schemas.openxmlformats.org/officeDocument/2006/relationships">
   <p:cSld>
     <p:bg>
@@ -6920,7 +7486,7 @@
 </p:sld>
 </file>
 
-<file path=ppt/slides/slide15.xml><?xml version="1.0" encoding="utf-8"?>
+<file path=ppt/slides/slide16.xml><?xml version="1.0" encoding="utf-8"?>
 <p:sld xmlns:p="http://schemas.openxmlformats.org/presentationml/2006/main" xmlns:a="http://schemas.openxmlformats.org/drawingml/2006/main" xmlns:r="http://schemas.openxmlformats.org/officeDocument/2006/relationships">
   <p:cSld>
     <p:bg>
@@ -7714,7 +8280,7 @@
 </p:sld>
 </file>
 
-<file path=ppt/slides/slide16.xml><?xml version="1.0" encoding="utf-8"?>
+<file path=ppt/slides/slide17.xml><?xml version="1.0" encoding="utf-8"?>
 <p:sld xmlns:p="http://schemas.openxmlformats.org/presentationml/2006/main" xmlns:a="http://schemas.openxmlformats.org/drawingml/2006/main" xmlns:r="http://schemas.openxmlformats.org/officeDocument/2006/relationships">
   <p:cSld>
     <p:bg>
@@ -8651,7 +9217,7 @@
 </p:sld>
 </file>
 
-<file path=ppt/slides/slide17.xml><?xml version="1.0" encoding="utf-8"?>
+<file path=ppt/slides/slide18.xml><?xml version="1.0" encoding="utf-8"?>
 <p:sld xmlns:p="http://schemas.openxmlformats.org/presentationml/2006/main" xmlns:a="http://schemas.openxmlformats.org/drawingml/2006/main" xmlns:r="http://schemas.openxmlformats.org/officeDocument/2006/relationships">
   <p:cSld>
     <p:bg>
@@ -9590,7 +10156,7 @@
 </p:sld>
 </file>
 
-<file path=ppt/slides/slide18.xml><?xml version="1.0" encoding="utf-8"?>
+<file path=ppt/slides/slide19.xml><?xml version="1.0" encoding="utf-8"?>
 <p:sld xmlns:p="http://schemas.openxmlformats.org/presentationml/2006/main" xmlns:a="http://schemas.openxmlformats.org/drawingml/2006/main" xmlns:r="http://schemas.openxmlformats.org/officeDocument/2006/relationships">
   <p:cSld>
     <p:bg>
@@ -10608,533 +11174,6 @@
           </a:p>
         </p:txBody>
       </p:sp>
-    </p:spTree>
-  </p:cSld>
-  <p:clrMapOvr>
-    <a:masterClrMapping/>
-  </p:clrMapOvr>
-</p:sld>
-</file>
-
-<file path=ppt/slides/slide19.xml><?xml version="1.0" encoding="utf-8"?>
-<p:sld xmlns:p="http://schemas.openxmlformats.org/presentationml/2006/main" xmlns:a="http://schemas.openxmlformats.org/drawingml/2006/main" xmlns:r="http://schemas.openxmlformats.org/officeDocument/2006/relationships">
-  <p:cSld>
-    <p:bg>
-      <p:bgPr>
-        <a:solidFill>
-          <a:srgbClr val="F6F6F6"/>
-        </a:solidFill>
-      </p:bgPr>
-    </p:bg>
-    <p:spTree>
-      <p:nvGrpSpPr>
-        <p:cNvPr id="1" name=""/>
-        <p:cNvGrpSpPr/>
-        <p:nvPr/>
-      </p:nvGrpSpPr>
-      <p:grpSpPr>
-        <a:xfrm>
-          <a:off x="0" y="0"/>
-          <a:ext cx="0" cy="0"/>
-          <a:chOff x="0" y="0"/>
-          <a:chExt cx="0" cy="0"/>
-        </a:xfrm>
-      </p:grpSpPr>
-      <p:grpSp>
-        <p:nvGrpSpPr>
-          <p:cNvPr name="Group 2" id="2"/>
-          <p:cNvGrpSpPr/>
-          <p:nvPr/>
-        </p:nvGrpSpPr>
-        <p:grpSpPr>
-          <a:xfrm rot="0">
-            <a:off x="10891941" y="-328285"/>
-            <a:ext cx="1536594" cy="1284100"/>
-            <a:chOff x="0" y="0"/>
-            <a:chExt cx="1988401" cy="1661666"/>
-          </a:xfrm>
-        </p:grpSpPr>
-        <p:sp>
-          <p:nvSpPr>
-            <p:cNvPr name="Freeform 3" id="3"/>
-            <p:cNvSpPr/>
-            <p:nvPr/>
-          </p:nvSpPr>
-          <p:spPr>
-            <a:xfrm>
-              <a:off x="0" y="0"/>
-              <a:ext cx="1988401" cy="1661666"/>
-            </a:xfrm>
-            <a:custGeom>
-              <a:avLst/>
-              <a:gdLst/>
-              <a:ahLst/>
-              <a:cxnLst/>
-              <a:rect r="r" b="b" t="t" l="l"/>
-              <a:pathLst>
-                <a:path h="1661666" w="1988401">
-                  <a:moveTo>
-                    <a:pt x="0" y="0"/>
-                  </a:moveTo>
-                  <a:lnTo>
-                    <a:pt x="1988401" y="0"/>
-                  </a:lnTo>
-                  <a:lnTo>
-                    <a:pt x="1988401" y="1661666"/>
-                  </a:lnTo>
-                  <a:lnTo>
-                    <a:pt x="0" y="1661666"/>
-                  </a:lnTo>
-                  <a:close/>
-                </a:path>
-              </a:pathLst>
-            </a:custGeom>
-            <a:solidFill>
-              <a:srgbClr val="FC4507"/>
-            </a:solidFill>
-          </p:spPr>
-        </p:sp>
-      </p:grpSp>
-      <p:pic>
-        <p:nvPicPr>
-          <p:cNvPr name="Picture 4" id="4"/>
-          <p:cNvPicPr>
-            <a:picLocks noChangeAspect="true"/>
-          </p:cNvPicPr>
-          <p:nvPr/>
-        </p:nvPicPr>
-        <p:blipFill>
-          <a:blip r:embed="rId2"/>
-          <a:srcRect l="0" t="0" r="0" b="0"/>
-          <a:stretch>
-            <a:fillRect/>
-          </a:stretch>
-        </p:blipFill>
-        <p:spPr>
-          <a:xfrm flipH="false" flipV="false" rot="0">
-            <a:off x="3900916" y="2055473"/>
-            <a:ext cx="10486167" cy="7202827"/>
-          </a:xfrm>
-          <a:prstGeom prst="rect">
-            <a:avLst/>
-          </a:prstGeom>
-        </p:spPr>
-      </p:pic>
-      <p:sp>
-        <p:nvSpPr>
-          <p:cNvPr name="TextBox 5" id="5"/>
-          <p:cNvSpPr txBox="true"/>
-          <p:nvPr/>
-        </p:nvSpPr>
-        <p:spPr>
-          <a:xfrm rot="0">
-            <a:off x="11053564" y="233541"/>
-            <a:ext cx="1232397" cy="541448"/>
-          </a:xfrm>
-          <a:prstGeom prst="rect">
-            <a:avLst/>
-          </a:prstGeom>
-        </p:spPr>
-        <p:txBody>
-          <a:bodyPr anchor="t" rtlCol="false" tIns="0" lIns="0" bIns="0" rIns="0">
-            <a:spAutoFit/>
-          </a:bodyPr>
-          <a:lstStyle/>
-          <a:p>
-            <a:pPr algn="ctr">
-              <a:lnSpc>
-                <a:spcPts val="2181"/>
-              </a:lnSpc>
-            </a:pPr>
-            <a:r>
-              <a:rPr lang="en-US" sz="1558">
-                <a:solidFill>
-                  <a:srgbClr val="FFFFFF"/>
-                </a:solidFill>
-                <a:latin typeface="IBM Plex Sans Bold"/>
-              </a:rPr>
-              <a:t>Program</a:t>
-            </a:r>
-          </a:p>
-          <a:p>
-            <a:pPr algn="ctr">
-              <a:lnSpc>
-                <a:spcPts val="2181"/>
-              </a:lnSpc>
-            </a:pPr>
-            <a:r>
-              <a:rPr lang="en-US" sz="1558">
-                <a:solidFill>
-                  <a:srgbClr val="FFFFFF"/>
-                </a:solidFill>
-                <a:latin typeface="IBM Plex Sans Bold"/>
-              </a:rPr>
-              <a:t>w C++</a:t>
-            </a:r>
-          </a:p>
-        </p:txBody>
-      </p:sp>
-      <p:sp>
-        <p:nvSpPr>
-          <p:cNvPr name="TextBox 6" id="6"/>
-          <p:cNvSpPr txBox="true"/>
-          <p:nvPr/>
-        </p:nvSpPr>
-        <p:spPr>
-          <a:xfrm rot="0">
-            <a:off x="12851482" y="233541"/>
-            <a:ext cx="1466546" cy="265223"/>
-          </a:xfrm>
-          <a:prstGeom prst="rect">
-            <a:avLst/>
-          </a:prstGeom>
-        </p:spPr>
-        <p:txBody>
-          <a:bodyPr anchor="t" rtlCol="false" tIns="0" lIns="0" bIns="0" rIns="0">
-            <a:spAutoFit/>
-          </a:bodyPr>
-          <a:lstStyle/>
-          <a:p>
-            <a:pPr algn="ctr">
-              <a:lnSpc>
-                <a:spcPts val="2181"/>
-              </a:lnSpc>
-            </a:pPr>
-            <a:r>
-              <a:rPr lang="en-US" sz="1558">
-                <a:solidFill>
-                  <a:srgbClr val="393636"/>
-                </a:solidFill>
-                <a:latin typeface="IBM Plex Sans Bold"/>
-              </a:rPr>
-              <a:t>Implementacja </a:t>
-            </a:r>
-          </a:p>
-        </p:txBody>
-      </p:sp>
-      <p:sp>
-        <p:nvSpPr>
-          <p:cNvPr name="TextBox 7" id="7"/>
-          <p:cNvSpPr txBox="true"/>
-          <p:nvPr/>
-        </p:nvSpPr>
-        <p:spPr>
-          <a:xfrm rot="0">
-            <a:off x="16336973" y="233541"/>
-            <a:ext cx="1434399" cy="265223"/>
-          </a:xfrm>
-          <a:prstGeom prst="rect">
-            <a:avLst/>
-          </a:prstGeom>
-        </p:spPr>
-        <p:txBody>
-          <a:bodyPr anchor="t" rtlCol="false" tIns="0" lIns="0" bIns="0" rIns="0">
-            <a:spAutoFit/>
-          </a:bodyPr>
-          <a:lstStyle/>
-          <a:p>
-            <a:pPr algn="ctr">
-              <a:lnSpc>
-                <a:spcPts val="2181"/>
-              </a:lnSpc>
-            </a:pPr>
-            <a:r>
-              <a:rPr lang="en-US" sz="1558">
-                <a:solidFill>
-                  <a:srgbClr val="393636"/>
-                </a:solidFill>
-                <a:latin typeface="IBM Plex Sans Bold"/>
-              </a:rPr>
-              <a:t>Wykorzystanie</a:t>
-            </a:r>
-          </a:p>
-        </p:txBody>
-      </p:sp>
-      <p:sp>
-        <p:nvSpPr>
-          <p:cNvPr name="TextBox 8" id="8"/>
-          <p:cNvSpPr txBox="true"/>
-          <p:nvPr/>
-        </p:nvSpPr>
-        <p:spPr>
-          <a:xfrm rot="0">
-            <a:off x="6961926" y="233541"/>
-            <a:ext cx="1450440" cy="541401"/>
-          </a:xfrm>
-          <a:prstGeom prst="rect">
-            <a:avLst/>
-          </a:prstGeom>
-        </p:spPr>
-        <p:txBody>
-          <a:bodyPr anchor="t" rtlCol="false" tIns="0" lIns="0" bIns="0" rIns="0">
-            <a:spAutoFit/>
-          </a:bodyPr>
-          <a:lstStyle/>
-          <a:p>
-            <a:pPr algn="ctr">
-              <a:lnSpc>
-                <a:spcPts val="2184"/>
-              </a:lnSpc>
-            </a:pPr>
-            <a:r>
-              <a:rPr lang="en-US" sz="1560">
-                <a:solidFill>
-                  <a:srgbClr val="393636"/>
-                </a:solidFill>
-                <a:latin typeface="IBM Plex Sans Bold"/>
-              </a:rPr>
-              <a:t>Czym jest</a:t>
-            </a:r>
-          </a:p>
-          <a:p>
-            <a:pPr algn="ctr">
-              <a:lnSpc>
-                <a:spcPts val="2184"/>
-              </a:lnSpc>
-            </a:pPr>
-            <a:r>
-              <a:rPr lang="en-US" sz="1560">
-                <a:solidFill>
-                  <a:srgbClr val="393636"/>
-                </a:solidFill>
-                <a:latin typeface="IBM Plex Sans Bold"/>
-              </a:rPr>
-              <a:t>BST</a:t>
-            </a:r>
-          </a:p>
-        </p:txBody>
-      </p:sp>
-      <p:sp>
-        <p:nvSpPr>
-          <p:cNvPr name="TextBox 9" id="9"/>
-          <p:cNvSpPr txBox="true"/>
-          <p:nvPr/>
-        </p:nvSpPr>
-        <p:spPr>
-          <a:xfrm rot="0">
-            <a:off x="8977886" y="233541"/>
-            <a:ext cx="1510158" cy="541401"/>
-          </a:xfrm>
-          <a:prstGeom prst="rect">
-            <a:avLst/>
-          </a:prstGeom>
-        </p:spPr>
-        <p:txBody>
-          <a:bodyPr anchor="t" rtlCol="false" tIns="0" lIns="0" bIns="0" rIns="0">
-            <a:spAutoFit/>
-          </a:bodyPr>
-          <a:lstStyle/>
-          <a:p>
-            <a:pPr algn="ctr">
-              <a:lnSpc>
-                <a:spcPts val="2184"/>
-              </a:lnSpc>
-            </a:pPr>
-            <a:r>
-              <a:rPr lang="en-US" sz="1560">
-                <a:solidFill>
-                  <a:srgbClr val="393636"/>
-                </a:solidFill>
-                <a:latin typeface="IBM Plex Sans Bold"/>
-              </a:rPr>
-              <a:t>Zasada działania</a:t>
-            </a:r>
-          </a:p>
-        </p:txBody>
-      </p:sp>
-      <p:sp>
-        <p:nvSpPr>
-          <p:cNvPr name="TextBox 10" id="10"/>
-          <p:cNvSpPr txBox="true"/>
-          <p:nvPr/>
-        </p:nvSpPr>
-        <p:spPr>
-          <a:xfrm rot="0">
-            <a:off x="14594227" y="233541"/>
-            <a:ext cx="1354032" cy="541401"/>
-          </a:xfrm>
-          <a:prstGeom prst="rect">
-            <a:avLst/>
-          </a:prstGeom>
-        </p:spPr>
-        <p:txBody>
-          <a:bodyPr anchor="t" rtlCol="false" tIns="0" lIns="0" bIns="0" rIns="0">
-            <a:spAutoFit/>
-          </a:bodyPr>
-          <a:lstStyle/>
-          <a:p>
-            <a:pPr algn="ctr">
-              <a:lnSpc>
-                <a:spcPts val="2184"/>
-              </a:lnSpc>
-            </a:pPr>
-            <a:r>
-              <a:rPr lang="en-US" sz="1560">
-                <a:solidFill>
-                  <a:srgbClr val="393636"/>
-                </a:solidFill>
-                <a:latin typeface="IBM Plex Sans Bold"/>
-              </a:rPr>
-              <a:t>Złożoność obliczeniowa</a:t>
-            </a:r>
-          </a:p>
-        </p:txBody>
-      </p:sp>
-      <p:grpSp>
-        <p:nvGrpSpPr>
-          <p:cNvPr name="Group 11" id="11"/>
-          <p:cNvGrpSpPr/>
-          <p:nvPr/>
-        </p:nvGrpSpPr>
-        <p:grpSpPr>
-          <a:xfrm rot="0">
-            <a:off x="1028700" y="882992"/>
-            <a:ext cx="1285575" cy="1094545"/>
-            <a:chOff x="0" y="0"/>
-            <a:chExt cx="1714101" cy="1459393"/>
-          </a:xfrm>
-        </p:grpSpPr>
-        <p:sp>
-          <p:nvSpPr>
-            <p:cNvPr name="TextBox 12" id="12"/>
-            <p:cNvSpPr txBox="true"/>
-            <p:nvPr/>
-          </p:nvSpPr>
-          <p:spPr>
-            <a:xfrm rot="0">
-              <a:off x="0" y="0"/>
-              <a:ext cx="718260" cy="1459393"/>
-            </a:xfrm>
-            <a:prstGeom prst="rect">
-              <a:avLst/>
-            </a:prstGeom>
-          </p:spPr>
-          <p:txBody>
-            <a:bodyPr anchor="t" rtlCol="false" tIns="0" lIns="0" bIns="0" rIns="0">
-              <a:spAutoFit/>
-            </a:bodyPr>
-            <a:lstStyle/>
-            <a:p>
-              <a:pPr>
-                <a:lnSpc>
-                  <a:spcPts val="2856"/>
-                </a:lnSpc>
-              </a:pPr>
-              <a:r>
-                <a:rPr lang="en-US" sz="2441">
-                  <a:solidFill>
-                    <a:srgbClr val="FC4507"/>
-                  </a:solidFill>
-                  <a:latin typeface="Mokoto Bold"/>
-                </a:rPr>
-                <a:t>B</a:t>
-              </a:r>
-            </a:p>
-            <a:p>
-              <a:pPr>
-                <a:lnSpc>
-                  <a:spcPts val="2856"/>
-                </a:lnSpc>
-              </a:pPr>
-              <a:r>
-                <a:rPr lang="en-US" sz="2441">
-                  <a:solidFill>
-                    <a:srgbClr val="FC4507"/>
-                  </a:solidFill>
-                  <a:latin typeface="Mokoto Bold"/>
-                </a:rPr>
-                <a:t>S</a:t>
-              </a:r>
-            </a:p>
-            <a:p>
-              <a:pPr>
-                <a:lnSpc>
-                  <a:spcPts val="2856"/>
-                </a:lnSpc>
-              </a:pPr>
-              <a:r>
-                <a:rPr lang="en-US" sz="2441">
-                  <a:solidFill>
-                    <a:srgbClr val="FC4507"/>
-                  </a:solidFill>
-                  <a:latin typeface="Mokoto Bold"/>
-                </a:rPr>
-                <a:t>T</a:t>
-              </a:r>
-            </a:p>
-          </p:txBody>
-        </p:sp>
-        <p:sp>
-          <p:nvSpPr>
-            <p:cNvPr name="TextBox 13" id="13"/>
-            <p:cNvSpPr txBox="true"/>
-            <p:nvPr/>
-          </p:nvSpPr>
-          <p:spPr>
-            <a:xfrm rot="0">
-              <a:off x="359130" y="-47625"/>
-              <a:ext cx="1354971" cy="1423460"/>
-            </a:xfrm>
-            <a:prstGeom prst="rect">
-              <a:avLst/>
-            </a:prstGeom>
-          </p:spPr>
-          <p:txBody>
-            <a:bodyPr anchor="t" rtlCol="false" tIns="0" lIns="0" bIns="0" rIns="0">
-              <a:spAutoFit/>
-            </a:bodyPr>
-            <a:lstStyle/>
-            <a:p>
-              <a:pPr>
-                <a:lnSpc>
-                  <a:spcPts val="2941"/>
-                </a:lnSpc>
-              </a:pPr>
-              <a:r>
-                <a:rPr lang="en-US" sz="2100">
-                  <a:solidFill>
-                    <a:srgbClr val="393636"/>
-                  </a:solidFill>
-                  <a:latin typeface="IBM Plex Sans Bold"/>
-                </a:rPr>
-                <a:t>inary</a:t>
-              </a:r>
-            </a:p>
-            <a:p>
-              <a:pPr>
-                <a:lnSpc>
-                  <a:spcPts val="2941"/>
-                </a:lnSpc>
-              </a:pPr>
-              <a:r>
-                <a:rPr lang="en-US" sz="2100">
-                  <a:solidFill>
-                    <a:srgbClr val="393636"/>
-                  </a:solidFill>
-                  <a:latin typeface="IBM Plex Sans Bold"/>
-                </a:rPr>
-                <a:t>earch</a:t>
-              </a:r>
-            </a:p>
-            <a:p>
-              <a:pPr>
-                <a:lnSpc>
-                  <a:spcPts val="2941"/>
-                </a:lnSpc>
-              </a:pPr>
-              <a:r>
-                <a:rPr lang="en-US" sz="2100">
-                  <a:solidFill>
-                    <a:srgbClr val="393636"/>
-                  </a:solidFill>
-                  <a:latin typeface="IBM Plex Sans Bold"/>
-                </a:rPr>
-                <a:t>ree</a:t>
-              </a:r>
-            </a:p>
-          </p:txBody>
-        </p:sp>
-      </p:grpSp>
     </p:spTree>
   </p:cSld>
   <p:clrMapOvr>
@@ -11702,6 +11741,533 @@
         </p:nvGrpSpPr>
         <p:grpSpPr>
           <a:xfrm rot="0">
+            <a:off x="10891941" y="-328285"/>
+            <a:ext cx="1536594" cy="1284100"/>
+            <a:chOff x="0" y="0"/>
+            <a:chExt cx="1988401" cy="1661666"/>
+          </a:xfrm>
+        </p:grpSpPr>
+        <p:sp>
+          <p:nvSpPr>
+            <p:cNvPr name="Freeform 3" id="3"/>
+            <p:cNvSpPr/>
+            <p:nvPr/>
+          </p:nvSpPr>
+          <p:spPr>
+            <a:xfrm>
+              <a:off x="0" y="0"/>
+              <a:ext cx="1988401" cy="1661666"/>
+            </a:xfrm>
+            <a:custGeom>
+              <a:avLst/>
+              <a:gdLst/>
+              <a:ahLst/>
+              <a:cxnLst/>
+              <a:rect r="r" b="b" t="t" l="l"/>
+              <a:pathLst>
+                <a:path h="1661666" w="1988401">
+                  <a:moveTo>
+                    <a:pt x="0" y="0"/>
+                  </a:moveTo>
+                  <a:lnTo>
+                    <a:pt x="1988401" y="0"/>
+                  </a:lnTo>
+                  <a:lnTo>
+                    <a:pt x="1988401" y="1661666"/>
+                  </a:lnTo>
+                  <a:lnTo>
+                    <a:pt x="0" y="1661666"/>
+                  </a:lnTo>
+                  <a:close/>
+                </a:path>
+              </a:pathLst>
+            </a:custGeom>
+            <a:solidFill>
+              <a:srgbClr val="FC4507"/>
+            </a:solidFill>
+          </p:spPr>
+        </p:sp>
+      </p:grpSp>
+      <p:pic>
+        <p:nvPicPr>
+          <p:cNvPr name="Picture 4" id="4"/>
+          <p:cNvPicPr>
+            <a:picLocks noChangeAspect="true"/>
+          </p:cNvPicPr>
+          <p:nvPr/>
+        </p:nvPicPr>
+        <p:blipFill>
+          <a:blip r:embed="rId2"/>
+          <a:srcRect l="0" t="0" r="0" b="0"/>
+          <a:stretch>
+            <a:fillRect/>
+          </a:stretch>
+        </p:blipFill>
+        <p:spPr>
+          <a:xfrm flipH="false" flipV="false" rot="0">
+            <a:off x="3900916" y="2055473"/>
+            <a:ext cx="10486167" cy="7202827"/>
+          </a:xfrm>
+          <a:prstGeom prst="rect">
+            <a:avLst/>
+          </a:prstGeom>
+        </p:spPr>
+      </p:pic>
+      <p:sp>
+        <p:nvSpPr>
+          <p:cNvPr name="TextBox 5" id="5"/>
+          <p:cNvSpPr txBox="true"/>
+          <p:nvPr/>
+        </p:nvSpPr>
+        <p:spPr>
+          <a:xfrm rot="0">
+            <a:off x="11053564" y="233541"/>
+            <a:ext cx="1232397" cy="541448"/>
+          </a:xfrm>
+          <a:prstGeom prst="rect">
+            <a:avLst/>
+          </a:prstGeom>
+        </p:spPr>
+        <p:txBody>
+          <a:bodyPr anchor="t" rtlCol="false" tIns="0" lIns="0" bIns="0" rIns="0">
+            <a:spAutoFit/>
+          </a:bodyPr>
+          <a:lstStyle/>
+          <a:p>
+            <a:pPr algn="ctr">
+              <a:lnSpc>
+                <a:spcPts val="2181"/>
+              </a:lnSpc>
+            </a:pPr>
+            <a:r>
+              <a:rPr lang="en-US" sz="1558">
+                <a:solidFill>
+                  <a:srgbClr val="FFFFFF"/>
+                </a:solidFill>
+                <a:latin typeface="IBM Plex Sans Bold"/>
+              </a:rPr>
+              <a:t>Program</a:t>
+            </a:r>
+          </a:p>
+          <a:p>
+            <a:pPr algn="ctr">
+              <a:lnSpc>
+                <a:spcPts val="2181"/>
+              </a:lnSpc>
+            </a:pPr>
+            <a:r>
+              <a:rPr lang="en-US" sz="1558">
+                <a:solidFill>
+                  <a:srgbClr val="FFFFFF"/>
+                </a:solidFill>
+                <a:latin typeface="IBM Plex Sans Bold"/>
+              </a:rPr>
+              <a:t>w C++</a:t>
+            </a:r>
+          </a:p>
+        </p:txBody>
+      </p:sp>
+      <p:sp>
+        <p:nvSpPr>
+          <p:cNvPr name="TextBox 6" id="6"/>
+          <p:cNvSpPr txBox="true"/>
+          <p:nvPr/>
+        </p:nvSpPr>
+        <p:spPr>
+          <a:xfrm rot="0">
+            <a:off x="12851482" y="233541"/>
+            <a:ext cx="1466546" cy="265223"/>
+          </a:xfrm>
+          <a:prstGeom prst="rect">
+            <a:avLst/>
+          </a:prstGeom>
+        </p:spPr>
+        <p:txBody>
+          <a:bodyPr anchor="t" rtlCol="false" tIns="0" lIns="0" bIns="0" rIns="0">
+            <a:spAutoFit/>
+          </a:bodyPr>
+          <a:lstStyle/>
+          <a:p>
+            <a:pPr algn="ctr">
+              <a:lnSpc>
+                <a:spcPts val="2181"/>
+              </a:lnSpc>
+            </a:pPr>
+            <a:r>
+              <a:rPr lang="en-US" sz="1558">
+                <a:solidFill>
+                  <a:srgbClr val="393636"/>
+                </a:solidFill>
+                <a:latin typeface="IBM Plex Sans Bold"/>
+              </a:rPr>
+              <a:t>Implementacja </a:t>
+            </a:r>
+          </a:p>
+        </p:txBody>
+      </p:sp>
+      <p:sp>
+        <p:nvSpPr>
+          <p:cNvPr name="TextBox 7" id="7"/>
+          <p:cNvSpPr txBox="true"/>
+          <p:nvPr/>
+        </p:nvSpPr>
+        <p:spPr>
+          <a:xfrm rot="0">
+            <a:off x="16336973" y="233541"/>
+            <a:ext cx="1434399" cy="265223"/>
+          </a:xfrm>
+          <a:prstGeom prst="rect">
+            <a:avLst/>
+          </a:prstGeom>
+        </p:spPr>
+        <p:txBody>
+          <a:bodyPr anchor="t" rtlCol="false" tIns="0" lIns="0" bIns="0" rIns="0">
+            <a:spAutoFit/>
+          </a:bodyPr>
+          <a:lstStyle/>
+          <a:p>
+            <a:pPr algn="ctr">
+              <a:lnSpc>
+                <a:spcPts val="2181"/>
+              </a:lnSpc>
+            </a:pPr>
+            <a:r>
+              <a:rPr lang="en-US" sz="1558">
+                <a:solidFill>
+                  <a:srgbClr val="393636"/>
+                </a:solidFill>
+                <a:latin typeface="IBM Plex Sans Bold"/>
+              </a:rPr>
+              <a:t>Wykorzystanie</a:t>
+            </a:r>
+          </a:p>
+        </p:txBody>
+      </p:sp>
+      <p:sp>
+        <p:nvSpPr>
+          <p:cNvPr name="TextBox 8" id="8"/>
+          <p:cNvSpPr txBox="true"/>
+          <p:nvPr/>
+        </p:nvSpPr>
+        <p:spPr>
+          <a:xfrm rot="0">
+            <a:off x="6961926" y="233541"/>
+            <a:ext cx="1450440" cy="541401"/>
+          </a:xfrm>
+          <a:prstGeom prst="rect">
+            <a:avLst/>
+          </a:prstGeom>
+        </p:spPr>
+        <p:txBody>
+          <a:bodyPr anchor="t" rtlCol="false" tIns="0" lIns="0" bIns="0" rIns="0">
+            <a:spAutoFit/>
+          </a:bodyPr>
+          <a:lstStyle/>
+          <a:p>
+            <a:pPr algn="ctr">
+              <a:lnSpc>
+                <a:spcPts val="2184"/>
+              </a:lnSpc>
+            </a:pPr>
+            <a:r>
+              <a:rPr lang="en-US" sz="1560">
+                <a:solidFill>
+                  <a:srgbClr val="393636"/>
+                </a:solidFill>
+                <a:latin typeface="IBM Plex Sans Bold"/>
+              </a:rPr>
+              <a:t>Czym jest</a:t>
+            </a:r>
+          </a:p>
+          <a:p>
+            <a:pPr algn="ctr">
+              <a:lnSpc>
+                <a:spcPts val="2184"/>
+              </a:lnSpc>
+            </a:pPr>
+            <a:r>
+              <a:rPr lang="en-US" sz="1560">
+                <a:solidFill>
+                  <a:srgbClr val="393636"/>
+                </a:solidFill>
+                <a:latin typeface="IBM Plex Sans Bold"/>
+              </a:rPr>
+              <a:t>BST</a:t>
+            </a:r>
+          </a:p>
+        </p:txBody>
+      </p:sp>
+      <p:sp>
+        <p:nvSpPr>
+          <p:cNvPr name="TextBox 9" id="9"/>
+          <p:cNvSpPr txBox="true"/>
+          <p:nvPr/>
+        </p:nvSpPr>
+        <p:spPr>
+          <a:xfrm rot="0">
+            <a:off x="8977886" y="233541"/>
+            <a:ext cx="1510158" cy="541401"/>
+          </a:xfrm>
+          <a:prstGeom prst="rect">
+            <a:avLst/>
+          </a:prstGeom>
+        </p:spPr>
+        <p:txBody>
+          <a:bodyPr anchor="t" rtlCol="false" tIns="0" lIns="0" bIns="0" rIns="0">
+            <a:spAutoFit/>
+          </a:bodyPr>
+          <a:lstStyle/>
+          <a:p>
+            <a:pPr algn="ctr">
+              <a:lnSpc>
+                <a:spcPts val="2184"/>
+              </a:lnSpc>
+            </a:pPr>
+            <a:r>
+              <a:rPr lang="en-US" sz="1560">
+                <a:solidFill>
+                  <a:srgbClr val="393636"/>
+                </a:solidFill>
+                <a:latin typeface="IBM Plex Sans Bold"/>
+              </a:rPr>
+              <a:t>Zasada działania</a:t>
+            </a:r>
+          </a:p>
+        </p:txBody>
+      </p:sp>
+      <p:sp>
+        <p:nvSpPr>
+          <p:cNvPr name="TextBox 10" id="10"/>
+          <p:cNvSpPr txBox="true"/>
+          <p:nvPr/>
+        </p:nvSpPr>
+        <p:spPr>
+          <a:xfrm rot="0">
+            <a:off x="14594227" y="233541"/>
+            <a:ext cx="1354032" cy="541401"/>
+          </a:xfrm>
+          <a:prstGeom prst="rect">
+            <a:avLst/>
+          </a:prstGeom>
+        </p:spPr>
+        <p:txBody>
+          <a:bodyPr anchor="t" rtlCol="false" tIns="0" lIns="0" bIns="0" rIns="0">
+            <a:spAutoFit/>
+          </a:bodyPr>
+          <a:lstStyle/>
+          <a:p>
+            <a:pPr algn="ctr">
+              <a:lnSpc>
+                <a:spcPts val="2184"/>
+              </a:lnSpc>
+            </a:pPr>
+            <a:r>
+              <a:rPr lang="en-US" sz="1560">
+                <a:solidFill>
+                  <a:srgbClr val="393636"/>
+                </a:solidFill>
+                <a:latin typeface="IBM Plex Sans Bold"/>
+              </a:rPr>
+              <a:t>Złożoność obliczeniowa</a:t>
+            </a:r>
+          </a:p>
+        </p:txBody>
+      </p:sp>
+      <p:grpSp>
+        <p:nvGrpSpPr>
+          <p:cNvPr name="Group 11" id="11"/>
+          <p:cNvGrpSpPr/>
+          <p:nvPr/>
+        </p:nvGrpSpPr>
+        <p:grpSpPr>
+          <a:xfrm rot="0">
+            <a:off x="1028700" y="882992"/>
+            <a:ext cx="1285575" cy="1094545"/>
+            <a:chOff x="0" y="0"/>
+            <a:chExt cx="1714101" cy="1459393"/>
+          </a:xfrm>
+        </p:grpSpPr>
+        <p:sp>
+          <p:nvSpPr>
+            <p:cNvPr name="TextBox 12" id="12"/>
+            <p:cNvSpPr txBox="true"/>
+            <p:nvPr/>
+          </p:nvSpPr>
+          <p:spPr>
+            <a:xfrm rot="0">
+              <a:off x="0" y="0"/>
+              <a:ext cx="718260" cy="1459393"/>
+            </a:xfrm>
+            <a:prstGeom prst="rect">
+              <a:avLst/>
+            </a:prstGeom>
+          </p:spPr>
+          <p:txBody>
+            <a:bodyPr anchor="t" rtlCol="false" tIns="0" lIns="0" bIns="0" rIns="0">
+              <a:spAutoFit/>
+            </a:bodyPr>
+            <a:lstStyle/>
+            <a:p>
+              <a:pPr>
+                <a:lnSpc>
+                  <a:spcPts val="2856"/>
+                </a:lnSpc>
+              </a:pPr>
+              <a:r>
+                <a:rPr lang="en-US" sz="2441">
+                  <a:solidFill>
+                    <a:srgbClr val="FC4507"/>
+                  </a:solidFill>
+                  <a:latin typeface="Mokoto Bold"/>
+                </a:rPr>
+                <a:t>B</a:t>
+              </a:r>
+            </a:p>
+            <a:p>
+              <a:pPr>
+                <a:lnSpc>
+                  <a:spcPts val="2856"/>
+                </a:lnSpc>
+              </a:pPr>
+              <a:r>
+                <a:rPr lang="en-US" sz="2441">
+                  <a:solidFill>
+                    <a:srgbClr val="FC4507"/>
+                  </a:solidFill>
+                  <a:latin typeface="Mokoto Bold"/>
+                </a:rPr>
+                <a:t>S</a:t>
+              </a:r>
+            </a:p>
+            <a:p>
+              <a:pPr>
+                <a:lnSpc>
+                  <a:spcPts val="2856"/>
+                </a:lnSpc>
+              </a:pPr>
+              <a:r>
+                <a:rPr lang="en-US" sz="2441">
+                  <a:solidFill>
+                    <a:srgbClr val="FC4507"/>
+                  </a:solidFill>
+                  <a:latin typeface="Mokoto Bold"/>
+                </a:rPr>
+                <a:t>T</a:t>
+              </a:r>
+            </a:p>
+          </p:txBody>
+        </p:sp>
+        <p:sp>
+          <p:nvSpPr>
+            <p:cNvPr name="TextBox 13" id="13"/>
+            <p:cNvSpPr txBox="true"/>
+            <p:nvPr/>
+          </p:nvSpPr>
+          <p:spPr>
+            <a:xfrm rot="0">
+              <a:off x="359130" y="-47625"/>
+              <a:ext cx="1354971" cy="1423460"/>
+            </a:xfrm>
+            <a:prstGeom prst="rect">
+              <a:avLst/>
+            </a:prstGeom>
+          </p:spPr>
+          <p:txBody>
+            <a:bodyPr anchor="t" rtlCol="false" tIns="0" lIns="0" bIns="0" rIns="0">
+              <a:spAutoFit/>
+            </a:bodyPr>
+            <a:lstStyle/>
+            <a:p>
+              <a:pPr>
+                <a:lnSpc>
+                  <a:spcPts val="2941"/>
+                </a:lnSpc>
+              </a:pPr>
+              <a:r>
+                <a:rPr lang="en-US" sz="2100">
+                  <a:solidFill>
+                    <a:srgbClr val="393636"/>
+                  </a:solidFill>
+                  <a:latin typeface="IBM Plex Sans Bold"/>
+                </a:rPr>
+                <a:t>inary</a:t>
+              </a:r>
+            </a:p>
+            <a:p>
+              <a:pPr>
+                <a:lnSpc>
+                  <a:spcPts val="2941"/>
+                </a:lnSpc>
+              </a:pPr>
+              <a:r>
+                <a:rPr lang="en-US" sz="2100">
+                  <a:solidFill>
+                    <a:srgbClr val="393636"/>
+                  </a:solidFill>
+                  <a:latin typeface="IBM Plex Sans Bold"/>
+                </a:rPr>
+                <a:t>earch</a:t>
+              </a:r>
+            </a:p>
+            <a:p>
+              <a:pPr>
+                <a:lnSpc>
+                  <a:spcPts val="2941"/>
+                </a:lnSpc>
+              </a:pPr>
+              <a:r>
+                <a:rPr lang="en-US" sz="2100">
+                  <a:solidFill>
+                    <a:srgbClr val="393636"/>
+                  </a:solidFill>
+                  <a:latin typeface="IBM Plex Sans Bold"/>
+                </a:rPr>
+                <a:t>ree</a:t>
+              </a:r>
+            </a:p>
+          </p:txBody>
+        </p:sp>
+      </p:grpSp>
+    </p:spTree>
+  </p:cSld>
+  <p:clrMapOvr>
+    <a:masterClrMapping/>
+  </p:clrMapOvr>
+</p:sld>
+</file>
+
+<file path=ppt/slides/slide21.xml><?xml version="1.0" encoding="utf-8"?>
+<p:sld xmlns:p="http://schemas.openxmlformats.org/presentationml/2006/main" xmlns:a="http://schemas.openxmlformats.org/drawingml/2006/main" xmlns:r="http://schemas.openxmlformats.org/officeDocument/2006/relationships">
+  <p:cSld>
+    <p:bg>
+      <p:bgPr>
+        <a:solidFill>
+          <a:srgbClr val="F6F6F6"/>
+        </a:solidFill>
+      </p:bgPr>
+    </p:bg>
+    <p:spTree>
+      <p:nvGrpSpPr>
+        <p:cNvPr id="1" name=""/>
+        <p:cNvGrpSpPr/>
+        <p:nvPr/>
+      </p:nvGrpSpPr>
+      <p:grpSpPr>
+        <a:xfrm>
+          <a:off x="0" y="0"/>
+          <a:ext cx="0" cy="0"/>
+          <a:chOff x="0" y="0"/>
+          <a:chExt cx="0" cy="0"/>
+        </a:xfrm>
+      </p:grpSpPr>
+      <p:grpSp>
+        <p:nvGrpSpPr>
+          <p:cNvPr name="Group 2" id="2"/>
+          <p:cNvGrpSpPr/>
+          <p:nvPr/>
+        </p:nvGrpSpPr>
+        <p:grpSpPr>
+          <a:xfrm rot="0">
             <a:off x="12806466" y="-328285"/>
             <a:ext cx="1536594" cy="1284100"/>
             <a:chOff x="0" y="0"/>
@@ -12298,7 +12864,7 @@
 </p:sld>
 </file>
 
-<file path=ppt/slides/slide21.xml><?xml version="1.0" encoding="utf-8"?>
+<file path=ppt/slides/slide22.xml><?xml version="1.0" encoding="utf-8"?>
 <p:sld xmlns:p="http://schemas.openxmlformats.org/presentationml/2006/main" xmlns:a="http://schemas.openxmlformats.org/drawingml/2006/main" xmlns:r="http://schemas.openxmlformats.org/officeDocument/2006/relationships">
   <p:cSld>
     <p:bg>
@@ -12957,7 +13523,7 @@
 </p:sld>
 </file>
 
-<file path=ppt/slides/slide22.xml><?xml version="1.0" encoding="utf-8"?>
+<file path=ppt/slides/slide23.xml><?xml version="1.0" encoding="utf-8"?>
 <p:sld xmlns:p="http://schemas.openxmlformats.org/presentationml/2006/main" xmlns:a="http://schemas.openxmlformats.org/drawingml/2006/main" xmlns:r="http://schemas.openxmlformats.org/officeDocument/2006/relationships">
   <p:cSld>
     <p:bg>
@@ -13758,7 +14324,7 @@
 </p:sld>
 </file>
 
-<file path=ppt/slides/slide23.xml><?xml version="1.0" encoding="utf-8"?>
+<file path=ppt/slides/slide24.xml><?xml version="1.0" encoding="utf-8"?>
 <p:sld xmlns:p="http://schemas.openxmlformats.org/presentationml/2006/main" xmlns:a="http://schemas.openxmlformats.org/drawingml/2006/main">
   <p:cSld>
     <p:bg>
@@ -19414,7 +19980,7 @@
 </file>
 
 <file path=ppt/slides/slide9.xml><?xml version="1.0" encoding="utf-8"?>
-<p:sld xmlns:p="http://schemas.openxmlformats.org/presentationml/2006/main" xmlns:a="http://schemas.openxmlformats.org/drawingml/2006/main" xmlns:r="http://schemas.openxmlformats.org/officeDocument/2006/relationships">
+<p:sld xmlns:p="http://schemas.openxmlformats.org/presentationml/2006/main" xmlns:a="http://schemas.openxmlformats.org/drawingml/2006/main">
   <p:cSld>
     <p:bg>
       <p:bgPr>
@@ -19437,539 +20003,6 @@
           <a:chExt cx="0" cy="0"/>
         </a:xfrm>
       </p:grpSpPr>
-      <p:grpSp>
-        <p:nvGrpSpPr>
-          <p:cNvPr name="Group 2" id="2"/>
-          <p:cNvGrpSpPr/>
-          <p:nvPr/>
-        </p:nvGrpSpPr>
-        <p:grpSpPr>
-          <a:xfrm rot="0">
-            <a:off x="8983094" y="-328285"/>
-            <a:ext cx="1536594" cy="1284100"/>
-            <a:chOff x="0" y="0"/>
-            <a:chExt cx="1988401" cy="1661666"/>
-          </a:xfrm>
-        </p:grpSpPr>
-        <p:sp>
-          <p:nvSpPr>
-            <p:cNvPr name="Freeform 3" id="3"/>
-            <p:cNvSpPr/>
-            <p:nvPr/>
-          </p:nvSpPr>
-          <p:spPr>
-            <a:xfrm>
-              <a:off x="0" y="0"/>
-              <a:ext cx="1988401" cy="1661666"/>
-            </a:xfrm>
-            <a:custGeom>
-              <a:avLst/>
-              <a:gdLst/>
-              <a:ahLst/>
-              <a:cxnLst/>
-              <a:rect r="r" b="b" t="t" l="l"/>
-              <a:pathLst>
-                <a:path h="1661666" w="1988401">
-                  <a:moveTo>
-                    <a:pt x="0" y="0"/>
-                  </a:moveTo>
-                  <a:lnTo>
-                    <a:pt x="1988401" y="0"/>
-                  </a:lnTo>
-                  <a:lnTo>
-                    <a:pt x="1988401" y="1661666"/>
-                  </a:lnTo>
-                  <a:lnTo>
-                    <a:pt x="0" y="1661666"/>
-                  </a:lnTo>
-                  <a:close/>
-                </a:path>
-              </a:pathLst>
-            </a:custGeom>
-            <a:solidFill>
-              <a:srgbClr val="FC4507"/>
-            </a:solidFill>
-          </p:spPr>
-        </p:sp>
-      </p:grpSp>
-      <p:pic>
-        <p:nvPicPr>
-          <p:cNvPr name="Picture 4" id="4"/>
-          <p:cNvPicPr>
-            <a:picLocks noChangeAspect="true"/>
-          </p:cNvPicPr>
-          <p:nvPr/>
-        </p:nvPicPr>
-        <p:blipFill>
-          <a:blip r:embed="rId2"/>
-          <a:srcRect l="0" t="0" r="0" b="0"/>
-          <a:stretch>
-            <a:fillRect/>
-          </a:stretch>
-        </p:blipFill>
-        <p:spPr>
-          <a:xfrm flipH="false" flipV="false" rot="0">
-            <a:off x="2213868" y="2700601"/>
-            <a:ext cx="7519097" cy="6270927"/>
-          </a:xfrm>
-          <a:prstGeom prst="rect">
-            <a:avLst/>
-          </a:prstGeom>
-        </p:spPr>
-      </p:pic>
-      <p:sp>
-        <p:nvSpPr>
-          <p:cNvPr name="TextBox 5" id="5"/>
-          <p:cNvSpPr txBox="true"/>
-          <p:nvPr/>
-        </p:nvSpPr>
-        <p:spPr>
-          <a:xfrm rot="0">
-            <a:off x="11053564" y="233541"/>
-            <a:ext cx="1232397" cy="541448"/>
-          </a:xfrm>
-          <a:prstGeom prst="rect">
-            <a:avLst/>
-          </a:prstGeom>
-        </p:spPr>
-        <p:txBody>
-          <a:bodyPr anchor="t" rtlCol="false" tIns="0" lIns="0" bIns="0" rIns="0">
-            <a:spAutoFit/>
-          </a:bodyPr>
-          <a:lstStyle/>
-          <a:p>
-            <a:pPr algn="ctr">
-              <a:lnSpc>
-                <a:spcPts val="2181"/>
-              </a:lnSpc>
-            </a:pPr>
-            <a:r>
-              <a:rPr lang="en-US" sz="1558">
-                <a:solidFill>
-                  <a:srgbClr val="393636"/>
-                </a:solidFill>
-                <a:latin typeface="IBM Plex Sans Bold"/>
-              </a:rPr>
-              <a:t>Program</a:t>
-            </a:r>
-          </a:p>
-          <a:p>
-            <a:pPr algn="ctr">
-              <a:lnSpc>
-                <a:spcPts val="2181"/>
-              </a:lnSpc>
-            </a:pPr>
-            <a:r>
-              <a:rPr lang="en-US" sz="1558">
-                <a:solidFill>
-                  <a:srgbClr val="393636"/>
-                </a:solidFill>
-                <a:latin typeface="IBM Plex Sans Bold"/>
-              </a:rPr>
-              <a:t>w C++</a:t>
-            </a:r>
-          </a:p>
-        </p:txBody>
-      </p:sp>
-      <p:sp>
-        <p:nvSpPr>
-          <p:cNvPr name="TextBox 6" id="6"/>
-          <p:cNvSpPr txBox="true"/>
-          <p:nvPr/>
-        </p:nvSpPr>
-        <p:spPr>
-          <a:xfrm rot="0">
-            <a:off x="12851482" y="233541"/>
-            <a:ext cx="1466546" cy="265223"/>
-          </a:xfrm>
-          <a:prstGeom prst="rect">
-            <a:avLst/>
-          </a:prstGeom>
-        </p:spPr>
-        <p:txBody>
-          <a:bodyPr anchor="t" rtlCol="false" tIns="0" lIns="0" bIns="0" rIns="0">
-            <a:spAutoFit/>
-          </a:bodyPr>
-          <a:lstStyle/>
-          <a:p>
-            <a:pPr algn="ctr">
-              <a:lnSpc>
-                <a:spcPts val="2181"/>
-              </a:lnSpc>
-            </a:pPr>
-            <a:r>
-              <a:rPr lang="en-US" sz="1558">
-                <a:solidFill>
-                  <a:srgbClr val="393636"/>
-                </a:solidFill>
-                <a:latin typeface="IBM Plex Sans Bold"/>
-              </a:rPr>
-              <a:t>Implementacja </a:t>
-            </a:r>
-          </a:p>
-        </p:txBody>
-      </p:sp>
-      <p:sp>
-        <p:nvSpPr>
-          <p:cNvPr name="TextBox 7" id="7"/>
-          <p:cNvSpPr txBox="true"/>
-          <p:nvPr/>
-        </p:nvSpPr>
-        <p:spPr>
-          <a:xfrm rot="0">
-            <a:off x="16336973" y="233541"/>
-            <a:ext cx="1434399" cy="265223"/>
-          </a:xfrm>
-          <a:prstGeom prst="rect">
-            <a:avLst/>
-          </a:prstGeom>
-        </p:spPr>
-        <p:txBody>
-          <a:bodyPr anchor="t" rtlCol="false" tIns="0" lIns="0" bIns="0" rIns="0">
-            <a:spAutoFit/>
-          </a:bodyPr>
-          <a:lstStyle/>
-          <a:p>
-            <a:pPr algn="ctr">
-              <a:lnSpc>
-                <a:spcPts val="2181"/>
-              </a:lnSpc>
-            </a:pPr>
-            <a:r>
-              <a:rPr lang="en-US" sz="1558">
-                <a:solidFill>
-                  <a:srgbClr val="393636"/>
-                </a:solidFill>
-                <a:latin typeface="IBM Plex Sans Bold"/>
-              </a:rPr>
-              <a:t>Wykorzystanie</a:t>
-            </a:r>
-          </a:p>
-        </p:txBody>
-      </p:sp>
-      <p:sp>
-        <p:nvSpPr>
-          <p:cNvPr name="TextBox 8" id="8"/>
-          <p:cNvSpPr txBox="true"/>
-          <p:nvPr/>
-        </p:nvSpPr>
-        <p:spPr>
-          <a:xfrm rot="0">
-            <a:off x="6961926" y="233541"/>
-            <a:ext cx="1450440" cy="541401"/>
-          </a:xfrm>
-          <a:prstGeom prst="rect">
-            <a:avLst/>
-          </a:prstGeom>
-        </p:spPr>
-        <p:txBody>
-          <a:bodyPr anchor="t" rtlCol="false" tIns="0" lIns="0" bIns="0" rIns="0">
-            <a:spAutoFit/>
-          </a:bodyPr>
-          <a:lstStyle/>
-          <a:p>
-            <a:pPr algn="ctr">
-              <a:lnSpc>
-                <a:spcPts val="2184"/>
-              </a:lnSpc>
-            </a:pPr>
-            <a:r>
-              <a:rPr lang="en-US" sz="1560">
-                <a:solidFill>
-                  <a:srgbClr val="393636"/>
-                </a:solidFill>
-                <a:latin typeface="IBM Plex Sans Bold"/>
-              </a:rPr>
-              <a:t>Czym jest</a:t>
-            </a:r>
-          </a:p>
-          <a:p>
-            <a:pPr algn="ctr">
-              <a:lnSpc>
-                <a:spcPts val="2184"/>
-              </a:lnSpc>
-            </a:pPr>
-            <a:r>
-              <a:rPr lang="en-US" sz="1560">
-                <a:solidFill>
-                  <a:srgbClr val="393636"/>
-                </a:solidFill>
-                <a:latin typeface="IBM Plex Sans Bold"/>
-              </a:rPr>
-              <a:t>BST</a:t>
-            </a:r>
-          </a:p>
-        </p:txBody>
-      </p:sp>
-      <p:sp>
-        <p:nvSpPr>
-          <p:cNvPr name="TextBox 9" id="9"/>
-          <p:cNvSpPr txBox="true"/>
-          <p:nvPr/>
-        </p:nvSpPr>
-        <p:spPr>
-          <a:xfrm rot="0">
-            <a:off x="8977886" y="233541"/>
-            <a:ext cx="1510158" cy="541401"/>
-          </a:xfrm>
-          <a:prstGeom prst="rect">
-            <a:avLst/>
-          </a:prstGeom>
-        </p:spPr>
-        <p:txBody>
-          <a:bodyPr anchor="t" rtlCol="false" tIns="0" lIns="0" bIns="0" rIns="0">
-            <a:spAutoFit/>
-          </a:bodyPr>
-          <a:lstStyle/>
-          <a:p>
-            <a:pPr algn="ctr">
-              <a:lnSpc>
-                <a:spcPts val="2184"/>
-              </a:lnSpc>
-            </a:pPr>
-            <a:r>
-              <a:rPr lang="en-US" sz="1560">
-                <a:solidFill>
-                  <a:srgbClr val="FFFFFF"/>
-                </a:solidFill>
-                <a:latin typeface="IBM Plex Sans Bold"/>
-              </a:rPr>
-              <a:t>Zasada działania</a:t>
-            </a:r>
-          </a:p>
-        </p:txBody>
-      </p:sp>
-      <p:sp>
-        <p:nvSpPr>
-          <p:cNvPr name="TextBox 10" id="10"/>
-          <p:cNvSpPr txBox="true"/>
-          <p:nvPr/>
-        </p:nvSpPr>
-        <p:spPr>
-          <a:xfrm rot="0">
-            <a:off x="14594227" y="233541"/>
-            <a:ext cx="1354032" cy="541401"/>
-          </a:xfrm>
-          <a:prstGeom prst="rect">
-            <a:avLst/>
-          </a:prstGeom>
-        </p:spPr>
-        <p:txBody>
-          <a:bodyPr anchor="t" rtlCol="false" tIns="0" lIns="0" bIns="0" rIns="0">
-            <a:spAutoFit/>
-          </a:bodyPr>
-          <a:lstStyle/>
-          <a:p>
-            <a:pPr algn="ctr">
-              <a:lnSpc>
-                <a:spcPts val="2184"/>
-              </a:lnSpc>
-            </a:pPr>
-            <a:r>
-              <a:rPr lang="en-US" sz="1560">
-                <a:solidFill>
-                  <a:srgbClr val="393636"/>
-                </a:solidFill>
-                <a:latin typeface="IBM Plex Sans Bold"/>
-              </a:rPr>
-              <a:t>Złożoność obliczeniowa</a:t>
-            </a:r>
-          </a:p>
-        </p:txBody>
-      </p:sp>
-      <p:grpSp>
-        <p:nvGrpSpPr>
-          <p:cNvPr name="Group 11" id="11"/>
-          <p:cNvGrpSpPr/>
-          <p:nvPr/>
-        </p:nvGrpSpPr>
-        <p:grpSpPr>
-          <a:xfrm rot="0">
-            <a:off x="1028700" y="882992"/>
-            <a:ext cx="1285575" cy="1094545"/>
-            <a:chOff x="0" y="0"/>
-            <a:chExt cx="1714101" cy="1459393"/>
-          </a:xfrm>
-        </p:grpSpPr>
-        <p:sp>
-          <p:nvSpPr>
-            <p:cNvPr name="TextBox 12" id="12"/>
-            <p:cNvSpPr txBox="true"/>
-            <p:nvPr/>
-          </p:nvSpPr>
-          <p:spPr>
-            <a:xfrm rot="0">
-              <a:off x="0" y="0"/>
-              <a:ext cx="718260" cy="1459393"/>
-            </a:xfrm>
-            <a:prstGeom prst="rect">
-              <a:avLst/>
-            </a:prstGeom>
-          </p:spPr>
-          <p:txBody>
-            <a:bodyPr anchor="t" rtlCol="false" tIns="0" lIns="0" bIns="0" rIns="0">
-              <a:spAutoFit/>
-            </a:bodyPr>
-            <a:lstStyle/>
-            <a:p>
-              <a:pPr>
-                <a:lnSpc>
-                  <a:spcPts val="2856"/>
-                </a:lnSpc>
-              </a:pPr>
-              <a:r>
-                <a:rPr lang="en-US" sz="2441">
-                  <a:solidFill>
-                    <a:srgbClr val="FC4507"/>
-                  </a:solidFill>
-                  <a:latin typeface="Mokoto Bold"/>
-                </a:rPr>
-                <a:t>B</a:t>
-              </a:r>
-            </a:p>
-            <a:p>
-              <a:pPr>
-                <a:lnSpc>
-                  <a:spcPts val="2856"/>
-                </a:lnSpc>
-              </a:pPr>
-              <a:r>
-                <a:rPr lang="en-US" sz="2441">
-                  <a:solidFill>
-                    <a:srgbClr val="FC4507"/>
-                  </a:solidFill>
-                  <a:latin typeface="Mokoto Bold"/>
-                </a:rPr>
-                <a:t>S</a:t>
-              </a:r>
-            </a:p>
-            <a:p>
-              <a:pPr>
-                <a:lnSpc>
-                  <a:spcPts val="2856"/>
-                </a:lnSpc>
-              </a:pPr>
-              <a:r>
-                <a:rPr lang="en-US" sz="2441">
-                  <a:solidFill>
-                    <a:srgbClr val="FC4507"/>
-                  </a:solidFill>
-                  <a:latin typeface="Mokoto Bold"/>
-                </a:rPr>
-                <a:t>T</a:t>
-              </a:r>
-            </a:p>
-          </p:txBody>
-        </p:sp>
-        <p:sp>
-          <p:nvSpPr>
-            <p:cNvPr name="TextBox 13" id="13"/>
-            <p:cNvSpPr txBox="true"/>
-            <p:nvPr/>
-          </p:nvSpPr>
-          <p:spPr>
-            <a:xfrm rot="0">
-              <a:off x="359130" y="-47625"/>
-              <a:ext cx="1354971" cy="1423460"/>
-            </a:xfrm>
-            <a:prstGeom prst="rect">
-              <a:avLst/>
-            </a:prstGeom>
-          </p:spPr>
-          <p:txBody>
-            <a:bodyPr anchor="t" rtlCol="false" tIns="0" lIns="0" bIns="0" rIns="0">
-              <a:spAutoFit/>
-            </a:bodyPr>
-            <a:lstStyle/>
-            <a:p>
-              <a:pPr>
-                <a:lnSpc>
-                  <a:spcPts val="2941"/>
-                </a:lnSpc>
-              </a:pPr>
-              <a:r>
-                <a:rPr lang="en-US" sz="2100">
-                  <a:solidFill>
-                    <a:srgbClr val="393636"/>
-                  </a:solidFill>
-                  <a:latin typeface="IBM Plex Sans Bold"/>
-                </a:rPr>
-                <a:t>inary</a:t>
-              </a:r>
-            </a:p>
-            <a:p>
-              <a:pPr>
-                <a:lnSpc>
-                  <a:spcPts val="2941"/>
-                </a:lnSpc>
-              </a:pPr>
-              <a:r>
-                <a:rPr lang="en-US" sz="2100">
-                  <a:solidFill>
-                    <a:srgbClr val="393636"/>
-                  </a:solidFill>
-                  <a:latin typeface="IBM Plex Sans Bold"/>
-                </a:rPr>
-                <a:t>earch</a:t>
-              </a:r>
-            </a:p>
-            <a:p>
-              <a:pPr>
-                <a:lnSpc>
-                  <a:spcPts val="2941"/>
-                </a:lnSpc>
-              </a:pPr>
-              <a:r>
-                <a:rPr lang="en-US" sz="2100">
-                  <a:solidFill>
-                    <a:srgbClr val="393636"/>
-                  </a:solidFill>
-                  <a:latin typeface="IBM Plex Sans Bold"/>
-                </a:rPr>
-                <a:t>ree</a:t>
-              </a:r>
-            </a:p>
-          </p:txBody>
-        </p:sp>
-      </p:grpSp>
-      <p:sp>
-        <p:nvSpPr>
-          <p:cNvPr name="TextBox 14" id="14"/>
-          <p:cNvSpPr txBox="true"/>
-          <p:nvPr/>
-        </p:nvSpPr>
-        <p:spPr>
-          <a:xfrm rot="0">
-            <a:off x="10956359" y="2624401"/>
-            <a:ext cx="6302941" cy="622935"/>
-          </a:xfrm>
-          <a:prstGeom prst="rect">
-            <a:avLst/>
-          </a:prstGeom>
-        </p:spPr>
-        <p:txBody>
-          <a:bodyPr anchor="t" rtlCol="false" tIns="0" lIns="0" bIns="0" rIns="0">
-            <a:spAutoFit/>
-          </a:bodyPr>
-          <a:lstStyle/>
-          <a:p>
-            <a:pPr>
-              <a:lnSpc>
-                <a:spcPts val="5040"/>
-              </a:lnSpc>
-            </a:pPr>
-            <a:r>
-              <a:rPr lang="en-US" sz="3600">
-                <a:solidFill>
-                  <a:srgbClr val="393636"/>
-                </a:solidFill>
-                <a:latin typeface="IBM Plex Sans Bold"/>
-              </a:rPr>
-              <a:t>Reguła drzewa binarnego</a:t>
-            </a:r>
-          </a:p>
-        </p:txBody>
-      </p:sp>
     </p:spTree>
   </p:cSld>
   <p:clrMapOvr>
